--- a/Hinh Hoc/NOTES/TIPS.pptx
+++ b/Hinh Hoc/NOTES/TIPS.pptx
@@ -7,6 +7,7 @@
   <p:sldIdLst>
     <p:sldId id="258" r:id="rId2"/>
     <p:sldId id="257" r:id="rId3"/>
+    <p:sldId id="259" r:id="rId4"/>
   </p:sldIdLst>
   <p:sldSz cx="12192000" cy="6858000"/>
   <p:notesSz cx="6858000" cy="9144000"/>
@@ -244,7 +245,7 @@
           <a:p>
             <a:fld id="{1DCD95A3-209B-4A3A-B84B-31D4978F125A}" type="datetimeFigureOut">
               <a:rPr lang="en-US" smtClean="0"/>
-              <a:t>2/22/2021</a:t>
+              <a:t>5/8/2021</a:t>
             </a:fld>
             <a:endParaRPr lang="en-US"/>
           </a:p>
@@ -414,7 +415,7 @@
           <a:p>
             <a:fld id="{1DCD95A3-209B-4A3A-B84B-31D4978F125A}" type="datetimeFigureOut">
               <a:rPr lang="en-US" smtClean="0"/>
-              <a:t>2/22/2021</a:t>
+              <a:t>5/8/2021</a:t>
             </a:fld>
             <a:endParaRPr lang="en-US"/>
           </a:p>
@@ -594,7 +595,7 @@
           <a:p>
             <a:fld id="{1DCD95A3-209B-4A3A-B84B-31D4978F125A}" type="datetimeFigureOut">
               <a:rPr lang="en-US" smtClean="0"/>
-              <a:t>2/22/2021</a:t>
+              <a:t>5/8/2021</a:t>
             </a:fld>
             <a:endParaRPr lang="en-US"/>
           </a:p>
@@ -764,7 +765,7 @@
           <a:p>
             <a:fld id="{1DCD95A3-209B-4A3A-B84B-31D4978F125A}" type="datetimeFigureOut">
               <a:rPr lang="en-US" smtClean="0"/>
-              <a:t>2/22/2021</a:t>
+              <a:t>5/8/2021</a:t>
             </a:fld>
             <a:endParaRPr lang="en-US"/>
           </a:p>
@@ -1010,7 +1011,7 @@
           <a:p>
             <a:fld id="{1DCD95A3-209B-4A3A-B84B-31D4978F125A}" type="datetimeFigureOut">
               <a:rPr lang="en-US" smtClean="0"/>
-              <a:t>2/22/2021</a:t>
+              <a:t>5/8/2021</a:t>
             </a:fld>
             <a:endParaRPr lang="en-US"/>
           </a:p>
@@ -1242,7 +1243,7 @@
           <a:p>
             <a:fld id="{1DCD95A3-209B-4A3A-B84B-31D4978F125A}" type="datetimeFigureOut">
               <a:rPr lang="en-US" smtClean="0"/>
-              <a:t>2/22/2021</a:t>
+              <a:t>5/8/2021</a:t>
             </a:fld>
             <a:endParaRPr lang="en-US"/>
           </a:p>
@@ -1609,7 +1610,7 @@
           <a:p>
             <a:fld id="{1DCD95A3-209B-4A3A-B84B-31D4978F125A}" type="datetimeFigureOut">
               <a:rPr lang="en-US" smtClean="0"/>
-              <a:t>2/22/2021</a:t>
+              <a:t>5/8/2021</a:t>
             </a:fld>
             <a:endParaRPr lang="en-US"/>
           </a:p>
@@ -1727,7 +1728,7 @@
           <a:p>
             <a:fld id="{1DCD95A3-209B-4A3A-B84B-31D4978F125A}" type="datetimeFigureOut">
               <a:rPr lang="en-US" smtClean="0"/>
-              <a:t>2/22/2021</a:t>
+              <a:t>5/8/2021</a:t>
             </a:fld>
             <a:endParaRPr lang="en-US"/>
           </a:p>
@@ -1822,7 +1823,7 @@
           <a:p>
             <a:fld id="{1DCD95A3-209B-4A3A-B84B-31D4978F125A}" type="datetimeFigureOut">
               <a:rPr lang="en-US" smtClean="0"/>
-              <a:t>2/22/2021</a:t>
+              <a:t>5/8/2021</a:t>
             </a:fld>
             <a:endParaRPr lang="en-US"/>
           </a:p>
@@ -2099,7 +2100,7 @@
           <a:p>
             <a:fld id="{1DCD95A3-209B-4A3A-B84B-31D4978F125A}" type="datetimeFigureOut">
               <a:rPr lang="en-US" smtClean="0"/>
-              <a:t>2/22/2021</a:t>
+              <a:t>5/8/2021</a:t>
             </a:fld>
             <a:endParaRPr lang="en-US"/>
           </a:p>
@@ -2352,7 +2353,7 @@
           <a:p>
             <a:fld id="{1DCD95A3-209B-4A3A-B84B-31D4978F125A}" type="datetimeFigureOut">
               <a:rPr lang="en-US" smtClean="0"/>
-              <a:t>2/22/2021</a:t>
+              <a:t>5/8/2021</a:t>
             </a:fld>
             <a:endParaRPr lang="en-US"/>
           </a:p>
@@ -2565,7 +2566,7 @@
           <a:p>
             <a:fld id="{1DCD95A3-209B-4A3A-B84B-31D4978F125A}" type="datetimeFigureOut">
               <a:rPr lang="en-US" smtClean="0"/>
-              <a:t>2/22/2021</a:t>
+              <a:t>5/8/2021</a:t>
             </a:fld>
             <a:endParaRPr lang="en-US"/>
           </a:p>
@@ -4449,6 +4450,1263 @@
 </p:sld>
 </file>
 
+<file path=ppt/slides/slide3.xml><?xml version="1.0" encoding="utf-8"?>
+<p:sld xmlns:a="http://schemas.openxmlformats.org/drawingml/2006/main" xmlns:r="http://schemas.openxmlformats.org/officeDocument/2006/relationships" xmlns:p="http://schemas.openxmlformats.org/presentationml/2006/main">
+  <p:cSld>
+    <p:spTree>
+      <p:nvGrpSpPr>
+        <p:cNvPr id="1" name=""/>
+        <p:cNvGrpSpPr/>
+        <p:nvPr/>
+      </p:nvGrpSpPr>
+      <p:grpSpPr>
+        <a:xfrm>
+          <a:off x="0" y="0"/>
+          <a:ext cx="0" cy="0"/>
+          <a:chOff x="0" y="0"/>
+          <a:chExt cx="0" cy="0"/>
+        </a:xfrm>
+      </p:grpSpPr>
+      <p:sp>
+        <p:nvSpPr>
+          <p:cNvPr id="11" name="TextBox 10"/>
+          <p:cNvSpPr txBox="1"/>
+          <p:nvPr/>
+        </p:nvSpPr>
+        <p:spPr>
+          <a:xfrm>
+            <a:off x="1222876" y="464910"/>
+            <a:ext cx="4796924" cy="1477328"/>
+          </a:xfrm>
+          <a:prstGeom prst="rect">
+            <a:avLst/>
+          </a:prstGeom>
+          <a:noFill/>
+        </p:spPr>
+        <p:txBody>
+          <a:bodyPr wrap="square" rtlCol="0">
+            <a:spAutoFit/>
+          </a:bodyPr>
+          <a:lstStyle/>
+          <a:p>
+            <a:r>
+              <a:rPr lang="en-US" dirty="0" err="1" smtClean="0">
+                <a:latin typeface="Arial" panose="020B0604020202020204" pitchFamily="34" charset="0"/>
+                <a:cs typeface="Arial" panose="020B0604020202020204" pitchFamily="34" charset="0"/>
+              </a:rPr>
+              <a:t>Cach</a:t>
+            </a:r>
+            <a:r>
+              <a:rPr lang="en-US" dirty="0" smtClean="0">
+                <a:latin typeface="Arial" panose="020B0604020202020204" pitchFamily="34" charset="0"/>
+                <a:cs typeface="Arial" panose="020B0604020202020204" pitchFamily="34" charset="0"/>
+              </a:rPr>
+              <a:t> </a:t>
+            </a:r>
+            <a:r>
+              <a:rPr lang="en-US" dirty="0" err="1" smtClean="0">
+                <a:latin typeface="Arial" panose="020B0604020202020204" pitchFamily="34" charset="0"/>
+                <a:cs typeface="Arial" panose="020B0604020202020204" pitchFamily="34" charset="0"/>
+              </a:rPr>
+              <a:t>ve</a:t>
+            </a:r>
+            <a:r>
+              <a:rPr lang="en-US" dirty="0" smtClean="0">
+                <a:latin typeface="Arial" panose="020B0604020202020204" pitchFamily="34" charset="0"/>
+                <a:cs typeface="Arial" panose="020B0604020202020204" pitchFamily="34" charset="0"/>
+              </a:rPr>
+              <a:t> 2 </a:t>
+            </a:r>
+            <a:r>
+              <a:rPr lang="en-US" dirty="0" err="1" smtClean="0">
+                <a:latin typeface="Arial" panose="020B0604020202020204" pitchFamily="34" charset="0"/>
+                <a:cs typeface="Arial" panose="020B0604020202020204" pitchFamily="34" charset="0"/>
+              </a:rPr>
+              <a:t>duong</a:t>
+            </a:r>
+            <a:r>
+              <a:rPr lang="en-US" dirty="0" smtClean="0">
+                <a:latin typeface="Arial" panose="020B0604020202020204" pitchFamily="34" charset="0"/>
+                <a:cs typeface="Arial" panose="020B0604020202020204" pitchFamily="34" charset="0"/>
+              </a:rPr>
+              <a:t> thang song </a:t>
+            </a:r>
+            <a:r>
+              <a:rPr lang="en-US" dirty="0" err="1" smtClean="0">
+                <a:latin typeface="Arial" panose="020B0604020202020204" pitchFamily="34" charset="0"/>
+                <a:cs typeface="Arial" panose="020B0604020202020204" pitchFamily="34" charset="0"/>
+              </a:rPr>
+              <a:t>song</a:t>
+            </a:r>
+            <a:endParaRPr lang="en-US" dirty="0" smtClean="0">
+              <a:latin typeface="Arial" panose="020B0604020202020204" pitchFamily="34" charset="0"/>
+              <a:cs typeface="Arial" panose="020B0604020202020204" pitchFamily="34" charset="0"/>
+            </a:endParaRPr>
+          </a:p>
+          <a:p>
+            <a:pPr marL="285750" indent="-285750">
+              <a:buFont typeface="Arial" panose="020B0604020202020204" pitchFamily="34" charset="0"/>
+              <a:buChar char="•"/>
+            </a:pPr>
+            <a:r>
+              <a:rPr lang="en-US" dirty="0" err="1" smtClean="0">
+                <a:latin typeface="Arial" panose="020B0604020202020204" pitchFamily="34" charset="0"/>
+                <a:cs typeface="Arial" panose="020B0604020202020204" pitchFamily="34" charset="0"/>
+              </a:rPr>
+              <a:t>Các</a:t>
+            </a:r>
+            <a:r>
+              <a:rPr lang="en-US" dirty="0" smtClean="0">
+                <a:latin typeface="Arial" panose="020B0604020202020204" pitchFamily="34" charset="0"/>
+                <a:cs typeface="Arial" panose="020B0604020202020204" pitchFamily="34" charset="0"/>
+              </a:rPr>
+              <a:t> </a:t>
+            </a:r>
+            <a:r>
+              <a:rPr lang="en-US" dirty="0" err="1" smtClean="0">
+                <a:latin typeface="Arial" panose="020B0604020202020204" pitchFamily="34" charset="0"/>
+                <a:cs typeface="Arial" panose="020B0604020202020204" pitchFamily="34" charset="0"/>
+              </a:rPr>
+              <a:t>góc</a:t>
+            </a:r>
+            <a:r>
+              <a:rPr lang="en-US" dirty="0" smtClean="0">
+                <a:latin typeface="Arial" panose="020B0604020202020204" pitchFamily="34" charset="0"/>
+                <a:cs typeface="Arial" panose="020B0604020202020204" pitchFamily="34" charset="0"/>
+              </a:rPr>
+              <a:t> so le </a:t>
+            </a:r>
+            <a:r>
+              <a:rPr lang="en-US" dirty="0" err="1" smtClean="0">
+                <a:latin typeface="Arial" panose="020B0604020202020204" pitchFamily="34" charset="0"/>
+                <a:cs typeface="Arial" panose="020B0604020202020204" pitchFamily="34" charset="0"/>
+              </a:rPr>
+              <a:t>trong</a:t>
+            </a:r>
+            <a:r>
+              <a:rPr lang="en-US" dirty="0" smtClean="0">
+                <a:latin typeface="Arial" panose="020B0604020202020204" pitchFamily="34" charset="0"/>
+                <a:cs typeface="Arial" panose="020B0604020202020204" pitchFamily="34" charset="0"/>
+              </a:rPr>
+              <a:t> (</a:t>
+            </a:r>
+            <a:r>
+              <a:rPr lang="en-US" dirty="0" err="1" smtClean="0">
+                <a:latin typeface="Arial" panose="020B0604020202020204" pitchFamily="34" charset="0"/>
+                <a:cs typeface="Arial" panose="020B0604020202020204" pitchFamily="34" charset="0"/>
+              </a:rPr>
+              <a:t>đồng</a:t>
+            </a:r>
+            <a:r>
+              <a:rPr lang="en-US" dirty="0" smtClean="0">
+                <a:latin typeface="Arial" panose="020B0604020202020204" pitchFamily="34" charset="0"/>
+                <a:cs typeface="Arial" panose="020B0604020202020204" pitchFamily="34" charset="0"/>
+              </a:rPr>
+              <a:t> </a:t>
+            </a:r>
+            <a:r>
+              <a:rPr lang="en-US" dirty="0" err="1" smtClean="0">
+                <a:latin typeface="Arial" panose="020B0604020202020204" pitchFamily="34" charset="0"/>
+                <a:cs typeface="Arial" panose="020B0604020202020204" pitchFamily="34" charset="0"/>
+              </a:rPr>
+              <a:t>vị</a:t>
+            </a:r>
+            <a:r>
+              <a:rPr lang="en-US" dirty="0" smtClean="0">
+                <a:latin typeface="Arial" panose="020B0604020202020204" pitchFamily="34" charset="0"/>
+                <a:cs typeface="Arial" panose="020B0604020202020204" pitchFamily="34" charset="0"/>
+              </a:rPr>
+              <a:t>, </a:t>
+            </a:r>
+            <a:r>
+              <a:rPr lang="en-US" dirty="0" err="1" smtClean="0">
+                <a:latin typeface="Arial" panose="020B0604020202020204" pitchFamily="34" charset="0"/>
+                <a:cs typeface="Arial" panose="020B0604020202020204" pitchFamily="34" charset="0"/>
+              </a:rPr>
+              <a:t>trong</a:t>
+            </a:r>
+            <a:r>
+              <a:rPr lang="en-US" dirty="0" smtClean="0">
+                <a:latin typeface="Arial" panose="020B0604020202020204" pitchFamily="34" charset="0"/>
+                <a:cs typeface="Arial" panose="020B0604020202020204" pitchFamily="34" charset="0"/>
+              </a:rPr>
+              <a:t> </a:t>
+            </a:r>
+            <a:r>
+              <a:rPr lang="en-US" dirty="0" err="1" smtClean="0">
+                <a:latin typeface="Arial" panose="020B0604020202020204" pitchFamily="34" charset="0"/>
+                <a:cs typeface="Arial" panose="020B0604020202020204" pitchFamily="34" charset="0"/>
+              </a:rPr>
+              <a:t>cùng</a:t>
+            </a:r>
+            <a:r>
+              <a:rPr lang="en-US" dirty="0" smtClean="0">
+                <a:latin typeface="Arial" panose="020B0604020202020204" pitchFamily="34" charset="0"/>
+                <a:cs typeface="Arial" panose="020B0604020202020204" pitchFamily="34" charset="0"/>
+              </a:rPr>
+              <a:t> </a:t>
+            </a:r>
+            <a:r>
+              <a:rPr lang="en-US" dirty="0" err="1" smtClean="0">
+                <a:latin typeface="Arial" panose="020B0604020202020204" pitchFamily="34" charset="0"/>
+                <a:cs typeface="Arial" panose="020B0604020202020204" pitchFamily="34" charset="0"/>
+              </a:rPr>
+              <a:t>phía</a:t>
+            </a:r>
+            <a:r>
+              <a:rPr lang="en-US" dirty="0" smtClean="0">
+                <a:latin typeface="Arial" panose="020B0604020202020204" pitchFamily="34" charset="0"/>
+                <a:cs typeface="Arial" panose="020B0604020202020204" pitchFamily="34" charset="0"/>
+              </a:rPr>
+              <a:t>)</a:t>
+            </a:r>
+          </a:p>
+          <a:p>
+            <a:pPr marL="285750" indent="-285750">
+              <a:buFont typeface="Arial" panose="020B0604020202020204" pitchFamily="34" charset="0"/>
+              <a:buChar char="•"/>
+            </a:pPr>
+            <a:r>
+              <a:rPr lang="en-US" dirty="0" err="1" smtClean="0">
+                <a:latin typeface="Arial" panose="020B0604020202020204" pitchFamily="34" charset="0"/>
+                <a:cs typeface="Arial" panose="020B0604020202020204" pitchFamily="34" charset="0"/>
+              </a:rPr>
+              <a:t>Đường</a:t>
+            </a:r>
+            <a:r>
+              <a:rPr lang="en-US" dirty="0" smtClean="0">
+                <a:latin typeface="Arial" panose="020B0604020202020204" pitchFamily="34" charset="0"/>
+                <a:cs typeface="Arial" panose="020B0604020202020204" pitchFamily="34" charset="0"/>
+              </a:rPr>
+              <a:t> </a:t>
+            </a:r>
+            <a:r>
+              <a:rPr lang="en-US" dirty="0" err="1" smtClean="0">
+                <a:latin typeface="Arial" panose="020B0604020202020204" pitchFamily="34" charset="0"/>
+                <a:cs typeface="Arial" panose="020B0604020202020204" pitchFamily="34" charset="0"/>
+              </a:rPr>
+              <a:t>thẳng</a:t>
+            </a:r>
+            <a:r>
+              <a:rPr lang="en-US" dirty="0" smtClean="0">
+                <a:latin typeface="Arial" panose="020B0604020202020204" pitchFamily="34" charset="0"/>
+                <a:cs typeface="Arial" panose="020B0604020202020204" pitchFamily="34" charset="0"/>
+              </a:rPr>
+              <a:t> </a:t>
+            </a:r>
+            <a:r>
+              <a:rPr lang="en-US" dirty="0" err="1" smtClean="0">
+                <a:latin typeface="Arial" panose="020B0604020202020204" pitchFamily="34" charset="0"/>
+                <a:cs typeface="Arial" panose="020B0604020202020204" pitchFamily="34" charset="0"/>
+              </a:rPr>
+              <a:t>vuông</a:t>
+            </a:r>
+            <a:r>
+              <a:rPr lang="en-US" dirty="0" smtClean="0">
+                <a:latin typeface="Arial" panose="020B0604020202020204" pitchFamily="34" charset="0"/>
+                <a:cs typeface="Arial" panose="020B0604020202020204" pitchFamily="34" charset="0"/>
+              </a:rPr>
+              <a:t> </a:t>
+            </a:r>
+            <a:r>
+              <a:rPr lang="en-US" dirty="0" err="1" smtClean="0">
+                <a:latin typeface="Arial" panose="020B0604020202020204" pitchFamily="34" charset="0"/>
+                <a:cs typeface="Arial" panose="020B0604020202020204" pitchFamily="34" charset="0"/>
+              </a:rPr>
+              <a:t>góc</a:t>
+            </a:r>
+            <a:r>
+              <a:rPr lang="en-US" dirty="0" smtClean="0">
+                <a:latin typeface="Arial" panose="020B0604020202020204" pitchFamily="34" charset="0"/>
+                <a:cs typeface="Arial" panose="020B0604020202020204" pitchFamily="34" charset="0"/>
+              </a:rPr>
+              <a:t> </a:t>
+            </a:r>
+            <a:r>
+              <a:rPr lang="en-US" dirty="0" err="1" smtClean="0">
+                <a:latin typeface="Arial" panose="020B0604020202020204" pitchFamily="34" charset="0"/>
+                <a:cs typeface="Arial" panose="020B0604020202020204" pitchFamily="34" charset="0"/>
+              </a:rPr>
+              <a:t>với</a:t>
+            </a:r>
+            <a:r>
+              <a:rPr lang="en-US" dirty="0" smtClean="0">
+                <a:latin typeface="Arial" panose="020B0604020202020204" pitchFamily="34" charset="0"/>
+                <a:cs typeface="Arial" panose="020B0604020202020204" pitchFamily="34" charset="0"/>
+              </a:rPr>
+              <a:t> 2 </a:t>
+            </a:r>
+            <a:r>
+              <a:rPr lang="en-US" dirty="0" err="1" smtClean="0">
+                <a:latin typeface="Arial" panose="020B0604020202020204" pitchFamily="34" charset="0"/>
+                <a:cs typeface="Arial" panose="020B0604020202020204" pitchFamily="34" charset="0"/>
+              </a:rPr>
+              <a:t>đường</a:t>
+            </a:r>
+            <a:r>
+              <a:rPr lang="en-US" dirty="0" smtClean="0">
+                <a:latin typeface="Arial" panose="020B0604020202020204" pitchFamily="34" charset="0"/>
+                <a:cs typeface="Arial" panose="020B0604020202020204" pitchFamily="34" charset="0"/>
+              </a:rPr>
+              <a:t> song </a:t>
+            </a:r>
+            <a:r>
+              <a:rPr lang="en-US" dirty="0" err="1" smtClean="0">
+                <a:latin typeface="Arial" panose="020B0604020202020204" pitchFamily="34" charset="0"/>
+                <a:cs typeface="Arial" panose="020B0604020202020204" pitchFamily="34" charset="0"/>
+              </a:rPr>
+              <a:t>song</a:t>
+            </a:r>
+            <a:endParaRPr lang="en-US" dirty="0" smtClean="0">
+              <a:latin typeface="Arial" panose="020B0604020202020204" pitchFamily="34" charset="0"/>
+              <a:cs typeface="Arial" panose="020B0604020202020204" pitchFamily="34" charset="0"/>
+            </a:endParaRPr>
+          </a:p>
+        </p:txBody>
+      </p:sp>
+      <p:sp>
+        <p:nvSpPr>
+          <p:cNvPr id="4" name="TextBox 3"/>
+          <p:cNvSpPr txBox="1"/>
+          <p:nvPr/>
+        </p:nvSpPr>
+        <p:spPr>
+          <a:xfrm>
+            <a:off x="409117" y="2635892"/>
+            <a:ext cx="4796924" cy="3970318"/>
+          </a:xfrm>
+          <a:prstGeom prst="rect">
+            <a:avLst/>
+          </a:prstGeom>
+          <a:noFill/>
+        </p:spPr>
+        <p:txBody>
+          <a:bodyPr wrap="square" rtlCol="0">
+            <a:spAutoFit/>
+          </a:bodyPr>
+          <a:lstStyle/>
+          <a:p>
+            <a:r>
+              <a:rPr lang="en-US" dirty="0" err="1" smtClean="0">
+                <a:solidFill>
+                  <a:srgbClr val="FF0000"/>
+                </a:solidFill>
+                <a:latin typeface="Arial" panose="020B0604020202020204" pitchFamily="34" charset="0"/>
+                <a:cs typeface="Arial" panose="020B0604020202020204" pitchFamily="34" charset="0"/>
+              </a:rPr>
+              <a:t>Goc</a:t>
+            </a:r>
+            <a:r>
+              <a:rPr lang="en-US" dirty="0" smtClean="0">
+                <a:solidFill>
+                  <a:srgbClr val="FF0000"/>
+                </a:solidFill>
+                <a:latin typeface="Arial" panose="020B0604020202020204" pitchFamily="34" charset="0"/>
+                <a:cs typeface="Arial" panose="020B0604020202020204" pitchFamily="34" charset="0"/>
+              </a:rPr>
+              <a:t> </a:t>
+            </a:r>
+            <a:r>
+              <a:rPr lang="en-US" dirty="0" err="1" smtClean="0">
+                <a:solidFill>
+                  <a:srgbClr val="FF0000"/>
+                </a:solidFill>
+                <a:latin typeface="Arial" panose="020B0604020202020204" pitchFamily="34" charset="0"/>
+                <a:cs typeface="Arial" panose="020B0604020202020204" pitchFamily="34" charset="0"/>
+              </a:rPr>
+              <a:t>tao</a:t>
+            </a:r>
+            <a:r>
+              <a:rPr lang="en-US" dirty="0" smtClean="0">
+                <a:solidFill>
+                  <a:srgbClr val="FF0000"/>
+                </a:solidFill>
+                <a:latin typeface="Arial" panose="020B0604020202020204" pitchFamily="34" charset="0"/>
+                <a:cs typeface="Arial" panose="020B0604020202020204" pitchFamily="34" charset="0"/>
+              </a:rPr>
+              <a:t> </a:t>
+            </a:r>
+            <a:r>
+              <a:rPr lang="en-US" dirty="0" err="1" smtClean="0">
+                <a:solidFill>
+                  <a:srgbClr val="FF0000"/>
+                </a:solidFill>
+                <a:latin typeface="Arial" panose="020B0604020202020204" pitchFamily="34" charset="0"/>
+                <a:cs typeface="Arial" panose="020B0604020202020204" pitchFamily="34" charset="0"/>
+              </a:rPr>
+              <a:t>boi</a:t>
+            </a:r>
+            <a:r>
+              <a:rPr lang="en-US" dirty="0" smtClean="0">
+                <a:solidFill>
+                  <a:srgbClr val="FF0000"/>
+                </a:solidFill>
+                <a:latin typeface="Arial" panose="020B0604020202020204" pitchFamily="34" charset="0"/>
+                <a:cs typeface="Arial" panose="020B0604020202020204" pitchFamily="34" charset="0"/>
+              </a:rPr>
+              <a:t> </a:t>
+            </a:r>
+            <a:r>
+              <a:rPr lang="en-US" dirty="0" err="1" smtClean="0">
+                <a:solidFill>
+                  <a:srgbClr val="FF0000"/>
+                </a:solidFill>
+                <a:latin typeface="Arial" panose="020B0604020202020204" pitchFamily="34" charset="0"/>
+                <a:cs typeface="Arial" panose="020B0604020202020204" pitchFamily="34" charset="0"/>
+              </a:rPr>
+              <a:t>tiep</a:t>
+            </a:r>
+            <a:r>
+              <a:rPr lang="en-US" dirty="0" smtClean="0">
+                <a:solidFill>
+                  <a:srgbClr val="FF0000"/>
+                </a:solidFill>
+                <a:latin typeface="Arial" panose="020B0604020202020204" pitchFamily="34" charset="0"/>
+                <a:cs typeface="Arial" panose="020B0604020202020204" pitchFamily="34" charset="0"/>
+              </a:rPr>
+              <a:t> </a:t>
+            </a:r>
+            <a:r>
+              <a:rPr lang="en-US" dirty="0" err="1" smtClean="0">
+                <a:solidFill>
+                  <a:srgbClr val="FF0000"/>
+                </a:solidFill>
+                <a:latin typeface="Arial" panose="020B0604020202020204" pitchFamily="34" charset="0"/>
+                <a:cs typeface="Arial" panose="020B0604020202020204" pitchFamily="34" charset="0"/>
+              </a:rPr>
+              <a:t>tuyen</a:t>
+            </a:r>
+            <a:r>
+              <a:rPr lang="en-US" dirty="0" smtClean="0">
+                <a:solidFill>
+                  <a:srgbClr val="FF0000"/>
+                </a:solidFill>
+                <a:latin typeface="Arial" panose="020B0604020202020204" pitchFamily="34" charset="0"/>
+                <a:cs typeface="Arial" panose="020B0604020202020204" pitchFamily="34" charset="0"/>
+              </a:rPr>
+              <a:t> </a:t>
+            </a:r>
+            <a:r>
+              <a:rPr lang="en-US" dirty="0" err="1" smtClean="0">
+                <a:solidFill>
+                  <a:srgbClr val="FF0000"/>
+                </a:solidFill>
+                <a:latin typeface="Arial" panose="020B0604020202020204" pitchFamily="34" charset="0"/>
+                <a:cs typeface="Arial" panose="020B0604020202020204" pitchFamily="34" charset="0"/>
+              </a:rPr>
+              <a:t>va</a:t>
+            </a:r>
+            <a:r>
+              <a:rPr lang="en-US" dirty="0" smtClean="0">
+                <a:solidFill>
+                  <a:srgbClr val="FF0000"/>
+                </a:solidFill>
+                <a:latin typeface="Arial" panose="020B0604020202020204" pitchFamily="34" charset="0"/>
+                <a:cs typeface="Arial" panose="020B0604020202020204" pitchFamily="34" charset="0"/>
+              </a:rPr>
+              <a:t> day </a:t>
+            </a:r>
+            <a:r>
+              <a:rPr lang="en-US" dirty="0" err="1" smtClean="0">
+                <a:solidFill>
+                  <a:srgbClr val="FF0000"/>
+                </a:solidFill>
+                <a:latin typeface="Arial" panose="020B0604020202020204" pitchFamily="34" charset="0"/>
+                <a:cs typeface="Arial" panose="020B0604020202020204" pitchFamily="34" charset="0"/>
+              </a:rPr>
+              <a:t>cung</a:t>
+            </a:r>
+            <a:r>
+              <a:rPr lang="en-US" dirty="0" smtClean="0">
+                <a:solidFill>
+                  <a:srgbClr val="FF0000"/>
+                </a:solidFill>
+                <a:latin typeface="Arial" panose="020B0604020202020204" pitchFamily="34" charset="0"/>
+                <a:cs typeface="Arial" panose="020B0604020202020204" pitchFamily="34" charset="0"/>
+              </a:rPr>
+              <a:t> </a:t>
+            </a:r>
+            <a:r>
+              <a:rPr lang="en-US" dirty="0" err="1" smtClean="0">
+                <a:solidFill>
+                  <a:srgbClr val="FF0000"/>
+                </a:solidFill>
+                <a:latin typeface="Arial" panose="020B0604020202020204" pitchFamily="34" charset="0"/>
+                <a:cs typeface="Arial" panose="020B0604020202020204" pitchFamily="34" charset="0"/>
+              </a:rPr>
+              <a:t>luon</a:t>
+            </a:r>
+            <a:r>
+              <a:rPr lang="en-US" dirty="0" smtClean="0">
+                <a:solidFill>
+                  <a:srgbClr val="FF0000"/>
+                </a:solidFill>
+                <a:latin typeface="Arial" panose="020B0604020202020204" pitchFamily="34" charset="0"/>
+                <a:cs typeface="Arial" panose="020B0604020202020204" pitchFamily="34" charset="0"/>
+              </a:rPr>
+              <a:t> co 2 </a:t>
+            </a:r>
+            <a:r>
+              <a:rPr lang="en-US" dirty="0" err="1" smtClean="0">
+                <a:solidFill>
+                  <a:srgbClr val="FF0000"/>
+                </a:solidFill>
+                <a:latin typeface="Arial" panose="020B0604020202020204" pitchFamily="34" charset="0"/>
+                <a:cs typeface="Arial" panose="020B0604020202020204" pitchFamily="34" charset="0"/>
+              </a:rPr>
+              <a:t>goc</a:t>
+            </a:r>
+            <a:r>
+              <a:rPr lang="en-US" dirty="0" smtClean="0">
+                <a:solidFill>
+                  <a:srgbClr val="FF0000"/>
+                </a:solidFill>
+                <a:latin typeface="Arial" panose="020B0604020202020204" pitchFamily="34" charset="0"/>
+                <a:cs typeface="Arial" panose="020B0604020202020204" pitchFamily="34" charset="0"/>
+              </a:rPr>
+              <a:t> </a:t>
+            </a:r>
+            <a:r>
+              <a:rPr lang="en-US" dirty="0" err="1" smtClean="0">
+                <a:solidFill>
+                  <a:srgbClr val="FF0000"/>
+                </a:solidFill>
+                <a:latin typeface="Arial" panose="020B0604020202020204" pitchFamily="34" charset="0"/>
+                <a:cs typeface="Arial" panose="020B0604020202020204" pitchFamily="34" charset="0"/>
+              </a:rPr>
+              <a:t>bu</a:t>
+            </a:r>
+            <a:r>
+              <a:rPr lang="en-US" dirty="0" smtClean="0">
+                <a:solidFill>
+                  <a:srgbClr val="FF0000"/>
+                </a:solidFill>
+                <a:latin typeface="Arial" panose="020B0604020202020204" pitchFamily="34" charset="0"/>
+                <a:cs typeface="Arial" panose="020B0604020202020204" pitchFamily="34" charset="0"/>
+              </a:rPr>
+              <a:t> </a:t>
+            </a:r>
+            <a:r>
+              <a:rPr lang="en-US" dirty="0" err="1" smtClean="0">
+                <a:solidFill>
+                  <a:srgbClr val="FF0000"/>
+                </a:solidFill>
+                <a:latin typeface="Arial" panose="020B0604020202020204" pitchFamily="34" charset="0"/>
+                <a:cs typeface="Arial" panose="020B0604020202020204" pitchFamily="34" charset="0"/>
+              </a:rPr>
+              <a:t>nhau</a:t>
+            </a:r>
+            <a:r>
+              <a:rPr lang="en-US" dirty="0" smtClean="0">
+                <a:solidFill>
+                  <a:srgbClr val="FF0000"/>
+                </a:solidFill>
+                <a:latin typeface="Arial" panose="020B0604020202020204" pitchFamily="34" charset="0"/>
+                <a:cs typeface="Arial" panose="020B0604020202020204" pitchFamily="34" charset="0"/>
+              </a:rPr>
+              <a:t>, </a:t>
+            </a:r>
+            <a:r>
+              <a:rPr lang="en-US" dirty="0" err="1" smtClean="0">
+                <a:solidFill>
+                  <a:srgbClr val="FF0000"/>
+                </a:solidFill>
+                <a:latin typeface="Arial" panose="020B0604020202020204" pitchFamily="34" charset="0"/>
+                <a:cs typeface="Arial" panose="020B0604020202020204" pitchFamily="34" charset="0"/>
+              </a:rPr>
+              <a:t>tuong</a:t>
+            </a:r>
+            <a:r>
+              <a:rPr lang="en-US" dirty="0" smtClean="0">
+                <a:solidFill>
+                  <a:srgbClr val="FF0000"/>
+                </a:solidFill>
+                <a:latin typeface="Arial" panose="020B0604020202020204" pitchFamily="34" charset="0"/>
+                <a:cs typeface="Arial" panose="020B0604020202020204" pitchFamily="34" charset="0"/>
+              </a:rPr>
+              <a:t> </a:t>
+            </a:r>
+            <a:r>
+              <a:rPr lang="en-US" dirty="0" err="1" smtClean="0">
+                <a:solidFill>
+                  <a:srgbClr val="FF0000"/>
+                </a:solidFill>
+                <a:latin typeface="Arial" panose="020B0604020202020204" pitchFamily="34" charset="0"/>
+                <a:cs typeface="Arial" panose="020B0604020202020204" pitchFamily="34" charset="0"/>
+              </a:rPr>
+              <a:t>ung</a:t>
+            </a:r>
+            <a:r>
+              <a:rPr lang="en-US" dirty="0" smtClean="0">
+                <a:solidFill>
+                  <a:srgbClr val="FF0000"/>
+                </a:solidFill>
+                <a:latin typeface="Arial" panose="020B0604020202020204" pitchFamily="34" charset="0"/>
+                <a:cs typeface="Arial" panose="020B0604020202020204" pitchFamily="34" charset="0"/>
+              </a:rPr>
+              <a:t> </a:t>
+            </a:r>
+            <a:r>
+              <a:rPr lang="en-US" dirty="0" err="1" smtClean="0">
+                <a:solidFill>
+                  <a:srgbClr val="FF0000"/>
+                </a:solidFill>
+                <a:latin typeface="Arial" panose="020B0604020202020204" pitchFamily="34" charset="0"/>
+                <a:cs typeface="Arial" panose="020B0604020202020204" pitchFamily="34" charset="0"/>
+              </a:rPr>
+              <a:t>chan</a:t>
+            </a:r>
+            <a:r>
+              <a:rPr lang="en-US" dirty="0" smtClean="0">
+                <a:solidFill>
+                  <a:srgbClr val="FF0000"/>
+                </a:solidFill>
+                <a:latin typeface="Arial" panose="020B0604020202020204" pitchFamily="34" charset="0"/>
+                <a:cs typeface="Arial" panose="020B0604020202020204" pitchFamily="34" charset="0"/>
+              </a:rPr>
+              <a:t> </a:t>
+            </a:r>
+            <a:r>
+              <a:rPr lang="en-US" dirty="0" err="1" smtClean="0">
+                <a:solidFill>
+                  <a:srgbClr val="FF0000"/>
+                </a:solidFill>
+                <a:latin typeface="Arial" panose="020B0604020202020204" pitchFamily="34" charset="0"/>
+                <a:cs typeface="Arial" panose="020B0604020202020204" pitchFamily="34" charset="0"/>
+              </a:rPr>
+              <a:t>cung</a:t>
+            </a:r>
+            <a:r>
+              <a:rPr lang="en-US" dirty="0" smtClean="0">
+                <a:solidFill>
+                  <a:srgbClr val="FF0000"/>
+                </a:solidFill>
+                <a:latin typeface="Arial" panose="020B0604020202020204" pitchFamily="34" charset="0"/>
+                <a:cs typeface="Arial" panose="020B0604020202020204" pitchFamily="34" charset="0"/>
+              </a:rPr>
+              <a:t> </a:t>
+            </a:r>
+            <a:r>
+              <a:rPr lang="en-US" dirty="0" err="1" smtClean="0">
+                <a:solidFill>
+                  <a:srgbClr val="FF0000"/>
+                </a:solidFill>
+                <a:latin typeface="Arial" panose="020B0604020202020204" pitchFamily="34" charset="0"/>
+                <a:cs typeface="Arial" panose="020B0604020202020204" pitchFamily="34" charset="0"/>
+              </a:rPr>
+              <a:t>lon</a:t>
+            </a:r>
+            <a:r>
+              <a:rPr lang="en-US" dirty="0" smtClean="0">
+                <a:solidFill>
+                  <a:srgbClr val="FF0000"/>
+                </a:solidFill>
+                <a:latin typeface="Arial" panose="020B0604020202020204" pitchFamily="34" charset="0"/>
+                <a:cs typeface="Arial" panose="020B0604020202020204" pitchFamily="34" charset="0"/>
+              </a:rPr>
+              <a:t> </a:t>
+            </a:r>
+            <a:r>
+              <a:rPr lang="en-US" dirty="0" err="1" smtClean="0">
+                <a:solidFill>
+                  <a:srgbClr val="FF0000"/>
+                </a:solidFill>
+                <a:latin typeface="Arial" panose="020B0604020202020204" pitchFamily="34" charset="0"/>
+                <a:cs typeface="Arial" panose="020B0604020202020204" pitchFamily="34" charset="0"/>
+              </a:rPr>
+              <a:t>va</a:t>
+            </a:r>
+            <a:r>
+              <a:rPr lang="en-US" dirty="0" smtClean="0">
+                <a:solidFill>
+                  <a:srgbClr val="FF0000"/>
+                </a:solidFill>
+                <a:latin typeface="Arial" panose="020B0604020202020204" pitchFamily="34" charset="0"/>
+                <a:cs typeface="Arial" panose="020B0604020202020204" pitchFamily="34" charset="0"/>
+              </a:rPr>
+              <a:t> </a:t>
+            </a:r>
+            <a:r>
+              <a:rPr lang="en-US" dirty="0" err="1" smtClean="0">
+                <a:solidFill>
+                  <a:srgbClr val="FF0000"/>
+                </a:solidFill>
+                <a:latin typeface="Arial" panose="020B0604020202020204" pitchFamily="34" charset="0"/>
+                <a:cs typeface="Arial" panose="020B0604020202020204" pitchFamily="34" charset="0"/>
+              </a:rPr>
+              <a:t>cung</a:t>
+            </a:r>
+            <a:r>
+              <a:rPr lang="en-US" dirty="0" smtClean="0">
+                <a:solidFill>
+                  <a:srgbClr val="FF0000"/>
+                </a:solidFill>
+                <a:latin typeface="Arial" panose="020B0604020202020204" pitchFamily="34" charset="0"/>
+                <a:cs typeface="Arial" panose="020B0604020202020204" pitchFamily="34" charset="0"/>
+              </a:rPr>
+              <a:t> </a:t>
+            </a:r>
+            <a:r>
+              <a:rPr lang="en-US" dirty="0" err="1" smtClean="0">
+                <a:solidFill>
+                  <a:srgbClr val="FF0000"/>
+                </a:solidFill>
+                <a:latin typeface="Arial" panose="020B0604020202020204" pitchFamily="34" charset="0"/>
+                <a:cs typeface="Arial" panose="020B0604020202020204" pitchFamily="34" charset="0"/>
+              </a:rPr>
+              <a:t>nho</a:t>
+            </a:r>
+            <a:endParaRPr lang="en-US" dirty="0" smtClean="0">
+              <a:solidFill>
+                <a:srgbClr val="FF0000"/>
+              </a:solidFill>
+              <a:latin typeface="Arial" panose="020B0604020202020204" pitchFamily="34" charset="0"/>
+              <a:cs typeface="Arial" panose="020B0604020202020204" pitchFamily="34" charset="0"/>
+            </a:endParaRPr>
+          </a:p>
+          <a:p>
+            <a:endParaRPr lang="en-US" dirty="0">
+              <a:latin typeface="Arial" panose="020B0604020202020204" pitchFamily="34" charset="0"/>
+              <a:cs typeface="Arial" panose="020B0604020202020204" pitchFamily="34" charset="0"/>
+            </a:endParaRPr>
+          </a:p>
+          <a:p>
+            <a:r>
+              <a:rPr lang="en-US" dirty="0" smtClean="0">
+                <a:latin typeface="Arial" panose="020B0604020202020204" pitchFamily="34" charset="0"/>
+                <a:cs typeface="Arial" panose="020B0604020202020204" pitchFamily="34" charset="0"/>
+              </a:rPr>
+              <a:t>Sin </a:t>
+            </a:r>
+            <a:r>
+              <a:rPr lang="en-US" dirty="0" err="1" smtClean="0">
+                <a:latin typeface="Arial" panose="020B0604020202020204" pitchFamily="34" charset="0"/>
+                <a:cs typeface="Arial" panose="020B0604020202020204" pitchFamily="34" charset="0"/>
+              </a:rPr>
+              <a:t>va</a:t>
+            </a:r>
+            <a:r>
+              <a:rPr lang="en-US" dirty="0" smtClean="0">
+                <a:latin typeface="Arial" panose="020B0604020202020204" pitchFamily="34" charset="0"/>
+                <a:cs typeface="Arial" panose="020B0604020202020204" pitchFamily="34" charset="0"/>
+              </a:rPr>
+              <a:t> cos </a:t>
+            </a:r>
+            <a:r>
+              <a:rPr lang="en-US" dirty="0" err="1" smtClean="0">
+                <a:latin typeface="Arial" panose="020B0604020202020204" pitchFamily="34" charset="0"/>
+                <a:cs typeface="Arial" panose="020B0604020202020204" pitchFamily="34" charset="0"/>
+              </a:rPr>
+              <a:t>thuc</a:t>
+            </a:r>
+            <a:r>
+              <a:rPr lang="en-US" dirty="0" smtClean="0">
+                <a:latin typeface="Arial" panose="020B0604020202020204" pitchFamily="34" charset="0"/>
+                <a:cs typeface="Arial" panose="020B0604020202020204" pitchFamily="34" charset="0"/>
+              </a:rPr>
+              <a:t> chat la ty so. </a:t>
+            </a:r>
+            <a:r>
+              <a:rPr lang="en-US" dirty="0" err="1" smtClean="0">
+                <a:latin typeface="Arial" panose="020B0604020202020204" pitchFamily="34" charset="0"/>
+                <a:cs typeface="Arial" panose="020B0604020202020204" pitchFamily="34" charset="0"/>
+              </a:rPr>
+              <a:t>Nhung</a:t>
+            </a:r>
+            <a:r>
+              <a:rPr lang="en-US" dirty="0" smtClean="0">
+                <a:latin typeface="Arial" panose="020B0604020202020204" pitchFamily="34" charset="0"/>
+                <a:cs typeface="Arial" panose="020B0604020202020204" pitchFamily="34" charset="0"/>
+              </a:rPr>
+              <a:t> </a:t>
+            </a:r>
+            <a:r>
+              <a:rPr lang="en-US" dirty="0" err="1" smtClean="0">
+                <a:latin typeface="Arial" panose="020B0604020202020204" pitchFamily="34" charset="0"/>
+                <a:cs typeface="Arial" panose="020B0604020202020204" pitchFamily="34" charset="0"/>
+              </a:rPr>
+              <a:t>khong</a:t>
+            </a:r>
+            <a:r>
+              <a:rPr lang="en-US" dirty="0" smtClean="0">
+                <a:latin typeface="Arial" panose="020B0604020202020204" pitchFamily="34" charset="0"/>
+                <a:cs typeface="Arial" panose="020B0604020202020204" pitchFamily="34" charset="0"/>
+              </a:rPr>
+              <a:t> </a:t>
+            </a:r>
+            <a:r>
+              <a:rPr lang="en-US" dirty="0" err="1" smtClean="0">
+                <a:latin typeface="Arial" panose="020B0604020202020204" pitchFamily="34" charset="0"/>
+                <a:cs typeface="Arial" panose="020B0604020202020204" pitchFamily="34" charset="0"/>
+              </a:rPr>
+              <a:t>phai</a:t>
+            </a:r>
+            <a:r>
+              <a:rPr lang="en-US" dirty="0" smtClean="0">
+                <a:latin typeface="Arial" panose="020B0604020202020204" pitchFamily="34" charset="0"/>
+                <a:cs typeface="Arial" panose="020B0604020202020204" pitchFamily="34" charset="0"/>
+              </a:rPr>
+              <a:t> ty so dong dang </a:t>
+            </a:r>
+            <a:r>
+              <a:rPr lang="en-US" dirty="0" err="1" smtClean="0">
+                <a:latin typeface="Arial" panose="020B0604020202020204" pitchFamily="34" charset="0"/>
+                <a:cs typeface="Arial" panose="020B0604020202020204" pitchFamily="34" charset="0"/>
+              </a:rPr>
+              <a:t>cua</a:t>
+            </a:r>
+            <a:r>
+              <a:rPr lang="en-US" dirty="0" smtClean="0">
+                <a:latin typeface="Arial" panose="020B0604020202020204" pitchFamily="34" charset="0"/>
+                <a:cs typeface="Arial" panose="020B0604020202020204" pitchFamily="34" charset="0"/>
+              </a:rPr>
+              <a:t> 2 tam </a:t>
+            </a:r>
+            <a:r>
+              <a:rPr lang="en-US" dirty="0" err="1" smtClean="0">
+                <a:latin typeface="Arial" panose="020B0604020202020204" pitchFamily="34" charset="0"/>
+                <a:cs typeface="Arial" panose="020B0604020202020204" pitchFamily="34" charset="0"/>
+              </a:rPr>
+              <a:t>giac</a:t>
+            </a:r>
+            <a:r>
+              <a:rPr lang="en-US" dirty="0" smtClean="0">
+                <a:latin typeface="Arial" panose="020B0604020202020204" pitchFamily="34" charset="0"/>
+                <a:cs typeface="Arial" panose="020B0604020202020204" pitchFamily="34" charset="0"/>
+              </a:rPr>
+              <a:t>. Ma la ty so </a:t>
+            </a:r>
+            <a:r>
+              <a:rPr lang="en-US" dirty="0" err="1" smtClean="0">
+                <a:latin typeface="Arial" panose="020B0604020202020204" pitchFamily="34" charset="0"/>
+                <a:cs typeface="Arial" panose="020B0604020202020204" pitchFamily="34" charset="0"/>
+              </a:rPr>
+              <a:t>luong</a:t>
+            </a:r>
+            <a:r>
+              <a:rPr lang="en-US" dirty="0" smtClean="0">
+                <a:latin typeface="Arial" panose="020B0604020202020204" pitchFamily="34" charset="0"/>
+                <a:cs typeface="Arial" panose="020B0604020202020204" pitchFamily="34" charset="0"/>
+              </a:rPr>
+              <a:t> </a:t>
+            </a:r>
+            <a:r>
+              <a:rPr lang="en-US" dirty="0" err="1" smtClean="0">
+                <a:latin typeface="Arial" panose="020B0604020202020204" pitchFamily="34" charset="0"/>
+                <a:cs typeface="Arial" panose="020B0604020202020204" pitchFamily="34" charset="0"/>
+              </a:rPr>
+              <a:t>giac</a:t>
+            </a:r>
+            <a:r>
+              <a:rPr lang="en-US" dirty="0" smtClean="0">
+                <a:latin typeface="Arial" panose="020B0604020202020204" pitchFamily="34" charset="0"/>
+                <a:cs typeface="Arial" panose="020B0604020202020204" pitchFamily="34" charset="0"/>
+              </a:rPr>
+              <a:t> (ty so </a:t>
+            </a:r>
+            <a:r>
+              <a:rPr lang="en-US" dirty="0" err="1" smtClean="0">
+                <a:latin typeface="Arial" panose="020B0604020202020204" pitchFamily="34" charset="0"/>
+                <a:cs typeface="Arial" panose="020B0604020202020204" pitchFamily="34" charset="0"/>
+              </a:rPr>
+              <a:t>giua</a:t>
+            </a:r>
+            <a:r>
+              <a:rPr lang="en-US" dirty="0" smtClean="0">
+                <a:latin typeface="Arial" panose="020B0604020202020204" pitchFamily="34" charset="0"/>
+                <a:cs typeface="Arial" panose="020B0604020202020204" pitchFamily="34" charset="0"/>
+              </a:rPr>
+              <a:t> 2 </a:t>
+            </a:r>
+            <a:r>
+              <a:rPr lang="en-US" dirty="0" err="1" smtClean="0">
+                <a:latin typeface="Arial" panose="020B0604020202020204" pitchFamily="34" charset="0"/>
+                <a:cs typeface="Arial" panose="020B0604020202020204" pitchFamily="34" charset="0"/>
+              </a:rPr>
+              <a:t>canh</a:t>
+            </a:r>
+            <a:r>
+              <a:rPr lang="en-US" dirty="0" smtClean="0">
+                <a:latin typeface="Arial" panose="020B0604020202020204" pitchFamily="34" charset="0"/>
+                <a:cs typeface="Arial" panose="020B0604020202020204" pitchFamily="34" charset="0"/>
+              </a:rPr>
+              <a:t> </a:t>
+            </a:r>
+            <a:r>
+              <a:rPr lang="en-US" dirty="0" err="1" smtClean="0">
+                <a:latin typeface="Arial" panose="020B0604020202020204" pitchFamily="34" charset="0"/>
+                <a:cs typeface="Arial" panose="020B0604020202020204" pitchFamily="34" charset="0"/>
+              </a:rPr>
+              <a:t>cua</a:t>
+            </a:r>
+            <a:r>
+              <a:rPr lang="en-US" dirty="0" smtClean="0">
+                <a:latin typeface="Arial" panose="020B0604020202020204" pitchFamily="34" charset="0"/>
+                <a:cs typeface="Arial" panose="020B0604020202020204" pitchFamily="34" charset="0"/>
+              </a:rPr>
+              <a:t> </a:t>
+            </a:r>
+            <a:r>
+              <a:rPr lang="en-US" dirty="0" err="1" smtClean="0">
+                <a:latin typeface="Arial" panose="020B0604020202020204" pitchFamily="34" charset="0"/>
+                <a:cs typeface="Arial" panose="020B0604020202020204" pitchFamily="34" charset="0"/>
+              </a:rPr>
+              <a:t>cung</a:t>
+            </a:r>
+            <a:r>
+              <a:rPr lang="en-US" dirty="0" smtClean="0">
+                <a:latin typeface="Arial" panose="020B0604020202020204" pitchFamily="34" charset="0"/>
+                <a:cs typeface="Arial" panose="020B0604020202020204" pitchFamily="34" charset="0"/>
+              </a:rPr>
+              <a:t> 1 tam </a:t>
+            </a:r>
+            <a:r>
+              <a:rPr lang="en-US" dirty="0" err="1" smtClean="0">
+                <a:latin typeface="Arial" panose="020B0604020202020204" pitchFamily="34" charset="0"/>
+                <a:cs typeface="Arial" panose="020B0604020202020204" pitchFamily="34" charset="0"/>
+              </a:rPr>
+              <a:t>giac</a:t>
+            </a:r>
+            <a:r>
+              <a:rPr lang="en-US" dirty="0" smtClean="0">
+                <a:latin typeface="Arial" panose="020B0604020202020204" pitchFamily="34" charset="0"/>
+                <a:cs typeface="Arial" panose="020B0604020202020204" pitchFamily="34" charset="0"/>
+              </a:rPr>
+              <a:t>).</a:t>
+            </a:r>
+          </a:p>
+          <a:p>
+            <a:endParaRPr lang="en-US" dirty="0">
+              <a:solidFill>
+                <a:srgbClr val="FF0000"/>
+              </a:solidFill>
+              <a:latin typeface="Arial" panose="020B0604020202020204" pitchFamily="34" charset="0"/>
+              <a:cs typeface="Arial" panose="020B0604020202020204" pitchFamily="34" charset="0"/>
+            </a:endParaRPr>
+          </a:p>
+          <a:p>
+            <a:r>
+              <a:rPr lang="en-US" dirty="0" smtClean="0">
+                <a:solidFill>
+                  <a:srgbClr val="00B050"/>
+                </a:solidFill>
+                <a:latin typeface="Arial" panose="020B0604020202020204" pitchFamily="34" charset="0"/>
+                <a:cs typeface="Arial" panose="020B0604020202020204" pitchFamily="34" charset="0"/>
+              </a:rPr>
+              <a:t>Muon dung sin/ cos de </a:t>
+            </a:r>
+            <a:r>
+              <a:rPr lang="en-US" dirty="0" err="1" smtClean="0">
+                <a:solidFill>
+                  <a:srgbClr val="00B050"/>
+                </a:solidFill>
+                <a:latin typeface="Arial" panose="020B0604020202020204" pitchFamily="34" charset="0"/>
+                <a:cs typeface="Arial" panose="020B0604020202020204" pitchFamily="34" charset="0"/>
+              </a:rPr>
+              <a:t>tinh</a:t>
+            </a:r>
+            <a:r>
+              <a:rPr lang="en-US" dirty="0" smtClean="0">
+                <a:solidFill>
+                  <a:srgbClr val="00B050"/>
+                </a:solidFill>
+                <a:latin typeface="Arial" panose="020B0604020202020204" pitchFamily="34" charset="0"/>
+                <a:cs typeface="Arial" panose="020B0604020202020204" pitchFamily="34" charset="0"/>
+              </a:rPr>
+              <a:t> </a:t>
+            </a:r>
+            <a:r>
+              <a:rPr lang="en-US" dirty="0" err="1" smtClean="0">
+                <a:solidFill>
+                  <a:srgbClr val="00B050"/>
+                </a:solidFill>
+                <a:latin typeface="Arial" panose="020B0604020202020204" pitchFamily="34" charset="0"/>
+                <a:cs typeface="Arial" panose="020B0604020202020204" pitchFamily="34" charset="0"/>
+              </a:rPr>
+              <a:t>chieu</a:t>
+            </a:r>
+            <a:r>
+              <a:rPr lang="en-US" dirty="0" smtClean="0">
+                <a:solidFill>
+                  <a:srgbClr val="00B050"/>
+                </a:solidFill>
+                <a:latin typeface="Arial" panose="020B0604020202020204" pitchFamily="34" charset="0"/>
+                <a:cs typeface="Arial" panose="020B0604020202020204" pitchFamily="34" charset="0"/>
+              </a:rPr>
+              <a:t> </a:t>
+            </a:r>
+            <a:r>
+              <a:rPr lang="en-US" dirty="0" err="1" smtClean="0">
+                <a:solidFill>
+                  <a:srgbClr val="00B050"/>
+                </a:solidFill>
+                <a:latin typeface="Arial" panose="020B0604020202020204" pitchFamily="34" charset="0"/>
+                <a:cs typeface="Arial" panose="020B0604020202020204" pitchFamily="34" charset="0"/>
+              </a:rPr>
+              <a:t>dai</a:t>
+            </a:r>
+            <a:r>
+              <a:rPr lang="en-US" dirty="0" smtClean="0">
+                <a:solidFill>
+                  <a:srgbClr val="00B050"/>
+                </a:solidFill>
+                <a:latin typeface="Arial" panose="020B0604020202020204" pitchFamily="34" charset="0"/>
+                <a:cs typeface="Arial" panose="020B0604020202020204" pitchFamily="34" charset="0"/>
+              </a:rPr>
+              <a:t>, </a:t>
+            </a:r>
+            <a:r>
+              <a:rPr lang="en-US" dirty="0" err="1" smtClean="0">
+                <a:solidFill>
+                  <a:srgbClr val="00B050"/>
+                </a:solidFill>
+                <a:latin typeface="Arial" panose="020B0604020202020204" pitchFamily="34" charset="0"/>
+                <a:cs typeface="Arial" panose="020B0604020202020204" pitchFamily="34" charset="0"/>
+              </a:rPr>
+              <a:t>thi</a:t>
+            </a:r>
+            <a:r>
+              <a:rPr lang="en-US" dirty="0" smtClean="0">
+                <a:solidFill>
+                  <a:srgbClr val="00B050"/>
+                </a:solidFill>
+                <a:latin typeface="Arial" panose="020B0604020202020204" pitchFamily="34" charset="0"/>
+                <a:cs typeface="Arial" panose="020B0604020202020204" pitchFamily="34" charset="0"/>
+              </a:rPr>
+              <a:t> </a:t>
+            </a:r>
+            <a:r>
+              <a:rPr lang="en-US" dirty="0" err="1" smtClean="0">
+                <a:solidFill>
+                  <a:srgbClr val="00B050"/>
+                </a:solidFill>
+                <a:latin typeface="Arial" panose="020B0604020202020204" pitchFamily="34" charset="0"/>
+                <a:cs typeface="Arial" panose="020B0604020202020204" pitchFamily="34" charset="0"/>
+              </a:rPr>
+              <a:t>khong</a:t>
+            </a:r>
+            <a:r>
+              <a:rPr lang="en-US" dirty="0" smtClean="0">
+                <a:solidFill>
+                  <a:srgbClr val="00B050"/>
+                </a:solidFill>
+                <a:latin typeface="Arial" panose="020B0604020202020204" pitchFamily="34" charset="0"/>
+                <a:cs typeface="Arial" panose="020B0604020202020204" pitchFamily="34" charset="0"/>
+              </a:rPr>
+              <a:t> </a:t>
+            </a:r>
+            <a:r>
+              <a:rPr lang="en-US" dirty="0" err="1" smtClean="0">
+                <a:solidFill>
+                  <a:srgbClr val="00B050"/>
+                </a:solidFill>
+                <a:latin typeface="Arial" panose="020B0604020202020204" pitchFamily="34" charset="0"/>
+                <a:cs typeface="Arial" panose="020B0604020202020204" pitchFamily="34" charset="0"/>
+              </a:rPr>
+              <a:t>doi</a:t>
+            </a:r>
+            <a:r>
+              <a:rPr lang="en-US" dirty="0" smtClean="0">
+                <a:solidFill>
+                  <a:srgbClr val="00B050"/>
+                </a:solidFill>
+                <a:latin typeface="Arial" panose="020B0604020202020204" pitchFamily="34" charset="0"/>
+                <a:cs typeface="Arial" panose="020B0604020202020204" pitchFamily="34" charset="0"/>
+              </a:rPr>
+              <a:t> </a:t>
+            </a:r>
+            <a:r>
+              <a:rPr lang="en-US" dirty="0" err="1" smtClean="0">
+                <a:solidFill>
+                  <a:srgbClr val="00B050"/>
+                </a:solidFill>
+                <a:latin typeface="Arial" panose="020B0604020202020204" pitchFamily="34" charset="0"/>
+                <a:cs typeface="Arial" panose="020B0604020202020204" pitchFamily="34" charset="0"/>
+              </a:rPr>
+              <a:t>ra</a:t>
+            </a:r>
+            <a:r>
+              <a:rPr lang="en-US" dirty="0" smtClean="0">
+                <a:solidFill>
+                  <a:srgbClr val="00B050"/>
+                </a:solidFill>
+                <a:latin typeface="Arial" panose="020B0604020202020204" pitchFamily="34" charset="0"/>
+                <a:cs typeface="Arial" panose="020B0604020202020204" pitchFamily="34" charset="0"/>
+              </a:rPr>
+              <a:t> do (so do </a:t>
+            </a:r>
+            <a:r>
+              <a:rPr lang="en-US" dirty="0" err="1" smtClean="0">
+                <a:solidFill>
+                  <a:srgbClr val="00B050"/>
+                </a:solidFill>
+                <a:latin typeface="Arial" panose="020B0604020202020204" pitchFamily="34" charset="0"/>
+                <a:cs typeface="Arial" panose="020B0604020202020204" pitchFamily="34" charset="0"/>
+              </a:rPr>
+              <a:t>goc</a:t>
+            </a:r>
+            <a:r>
+              <a:rPr lang="en-US" dirty="0" smtClean="0">
+                <a:solidFill>
+                  <a:srgbClr val="00B050"/>
+                </a:solidFill>
+                <a:latin typeface="Arial" panose="020B0604020202020204" pitchFamily="34" charset="0"/>
+                <a:cs typeface="Arial" panose="020B0604020202020204" pitchFamily="34" charset="0"/>
+              </a:rPr>
+              <a:t>). Ma chi </a:t>
+            </a:r>
+            <a:r>
+              <a:rPr lang="en-US" dirty="0" err="1" smtClean="0">
+                <a:solidFill>
+                  <a:srgbClr val="00B050"/>
+                </a:solidFill>
+                <a:latin typeface="Arial" panose="020B0604020202020204" pitchFamily="34" charset="0"/>
+                <a:cs typeface="Arial" panose="020B0604020202020204" pitchFamily="34" charset="0"/>
+              </a:rPr>
+              <a:t>giu</a:t>
+            </a:r>
+            <a:r>
+              <a:rPr lang="en-US" dirty="0" smtClean="0">
+                <a:solidFill>
+                  <a:srgbClr val="00B050"/>
+                </a:solidFill>
+                <a:latin typeface="Arial" panose="020B0604020202020204" pitchFamily="34" charset="0"/>
+                <a:cs typeface="Arial" panose="020B0604020202020204" pitchFamily="34" charset="0"/>
+              </a:rPr>
+              <a:t> </a:t>
+            </a:r>
+            <a:r>
+              <a:rPr lang="en-US" dirty="0" err="1" smtClean="0">
+                <a:solidFill>
+                  <a:srgbClr val="00B050"/>
+                </a:solidFill>
+                <a:latin typeface="Arial" panose="020B0604020202020204" pitchFamily="34" charset="0"/>
+                <a:cs typeface="Arial" panose="020B0604020202020204" pitchFamily="34" charset="0"/>
+              </a:rPr>
+              <a:t>nguyen</a:t>
+            </a:r>
+            <a:r>
+              <a:rPr lang="en-US" dirty="0" smtClean="0">
+                <a:solidFill>
+                  <a:srgbClr val="00B050"/>
+                </a:solidFill>
+                <a:latin typeface="Arial" panose="020B0604020202020204" pitchFamily="34" charset="0"/>
+                <a:cs typeface="Arial" panose="020B0604020202020204" pitchFamily="34" charset="0"/>
+              </a:rPr>
+              <a:t> sin/cos (2 </a:t>
+            </a:r>
+            <a:r>
+              <a:rPr lang="en-US" dirty="0" err="1" smtClean="0">
+                <a:solidFill>
+                  <a:srgbClr val="00B050"/>
+                </a:solidFill>
+                <a:latin typeface="Arial" panose="020B0604020202020204" pitchFamily="34" charset="0"/>
+                <a:cs typeface="Arial" panose="020B0604020202020204" pitchFamily="34" charset="0"/>
+              </a:rPr>
+              <a:t>goc</a:t>
+            </a:r>
+            <a:r>
+              <a:rPr lang="en-US" dirty="0" smtClean="0">
+                <a:solidFill>
+                  <a:srgbClr val="00B050"/>
+                </a:solidFill>
+                <a:latin typeface="Arial" panose="020B0604020202020204" pitchFamily="34" charset="0"/>
+                <a:cs typeface="Arial" panose="020B0604020202020204" pitchFamily="34" charset="0"/>
+              </a:rPr>
+              <a:t> bang </a:t>
+            </a:r>
+            <a:r>
+              <a:rPr lang="en-US" dirty="0" err="1" smtClean="0">
+                <a:solidFill>
+                  <a:srgbClr val="00B050"/>
+                </a:solidFill>
+                <a:latin typeface="Arial" panose="020B0604020202020204" pitchFamily="34" charset="0"/>
+                <a:cs typeface="Arial" panose="020B0604020202020204" pitchFamily="34" charset="0"/>
+              </a:rPr>
+              <a:t>nhau</a:t>
+            </a:r>
+            <a:r>
+              <a:rPr lang="en-US" dirty="0" smtClean="0">
+                <a:solidFill>
+                  <a:srgbClr val="00B050"/>
+                </a:solidFill>
+                <a:latin typeface="Arial" panose="020B0604020202020204" pitchFamily="34" charset="0"/>
+                <a:cs typeface="Arial" panose="020B0604020202020204" pitchFamily="34" charset="0"/>
+              </a:rPr>
+              <a:t> </a:t>
+            </a:r>
+            <a:r>
+              <a:rPr lang="en-US" dirty="0" err="1" smtClean="0">
+                <a:solidFill>
+                  <a:srgbClr val="00B050"/>
+                </a:solidFill>
+                <a:latin typeface="Arial" panose="020B0604020202020204" pitchFamily="34" charset="0"/>
+                <a:cs typeface="Arial" panose="020B0604020202020204" pitchFamily="34" charset="0"/>
+              </a:rPr>
+              <a:t>thi</a:t>
+            </a:r>
+            <a:r>
+              <a:rPr lang="en-US" dirty="0" smtClean="0">
+                <a:solidFill>
+                  <a:srgbClr val="00B050"/>
+                </a:solidFill>
+                <a:latin typeface="Arial" panose="020B0604020202020204" pitchFamily="34" charset="0"/>
+                <a:cs typeface="Arial" panose="020B0604020202020204" pitchFamily="34" charset="0"/>
+              </a:rPr>
+              <a:t> sin/ cos bang </a:t>
+            </a:r>
+            <a:r>
+              <a:rPr lang="en-US" dirty="0" err="1" smtClean="0">
+                <a:solidFill>
+                  <a:srgbClr val="00B050"/>
+                </a:solidFill>
+                <a:latin typeface="Arial" panose="020B0604020202020204" pitchFamily="34" charset="0"/>
+                <a:cs typeface="Arial" panose="020B0604020202020204" pitchFamily="34" charset="0"/>
+              </a:rPr>
+              <a:t>nhau</a:t>
+            </a:r>
+            <a:r>
+              <a:rPr lang="en-US" dirty="0" smtClean="0">
+                <a:solidFill>
+                  <a:srgbClr val="00B050"/>
+                </a:solidFill>
+                <a:latin typeface="Arial" panose="020B0604020202020204" pitchFamily="34" charset="0"/>
+                <a:cs typeface="Arial" panose="020B0604020202020204" pitchFamily="34" charset="0"/>
+              </a:rPr>
+              <a:t>)</a:t>
+            </a:r>
+            <a:endParaRPr lang="en-US" dirty="0">
+              <a:solidFill>
+                <a:srgbClr val="00B050"/>
+              </a:solidFill>
+              <a:latin typeface="Arial" panose="020B0604020202020204" pitchFamily="34" charset="0"/>
+              <a:cs typeface="Arial" panose="020B0604020202020204" pitchFamily="34" charset="0"/>
+            </a:endParaRPr>
+          </a:p>
+          <a:p>
+            <a:endParaRPr lang="en-US" dirty="0" smtClean="0">
+              <a:solidFill>
+                <a:srgbClr val="FF0000"/>
+              </a:solidFill>
+              <a:latin typeface="Arial" panose="020B0604020202020204" pitchFamily="34" charset="0"/>
+              <a:cs typeface="Arial" panose="020B0604020202020204" pitchFamily="34" charset="0"/>
+            </a:endParaRPr>
+          </a:p>
+        </p:txBody>
+      </p:sp>
+    </p:spTree>
+    <p:extLst>
+      <p:ext uri="{BB962C8B-B14F-4D97-AF65-F5344CB8AC3E}">
+        <p14:creationId xmlns:p14="http://schemas.microsoft.com/office/powerpoint/2010/main" val="3141635605"/>
+      </p:ext>
+    </p:extLst>
+  </p:cSld>
+  <p:clrMapOvr>
+    <a:masterClrMapping/>
+  </p:clrMapOvr>
+</p:sld>
+</file>
+
 <file path=ppt/theme/theme1.xml><?xml version="1.0" encoding="utf-8"?>
 <a:theme xmlns:a="http://schemas.openxmlformats.org/drawingml/2006/main" name="Office Theme">
   <a:themeElements>
